--- a/Slides/project_presentation_23_03_18.pptx
+++ b/Slides/project_presentation_23_03_18.pptx
@@ -4293,7 +4293,7 @@
                 <a:ea typeface="Open Sans Light" panose="020B0306030504020204" pitchFamily="34" charset="0"/>
                 <a:cs typeface="Open Sans Light" panose="020B0306030504020204" pitchFamily="34" charset="0"/>
               </a:rPr>
-              <a:t>(~70 minutes)</a:t>
+              <a:t>(~100 minutes)</a:t>
             </a:r>
           </a:p>
           <a:p>
@@ -5336,7 +5336,7 @@
         <p:spPr>
           <a:xfrm>
             <a:off x="668551" y="567919"/>
-            <a:ext cx="10885273" cy="6001643"/>
+            <a:ext cx="10885273" cy="5770811"/>
           </a:xfrm>
           <a:prstGeom prst="rect">
             <a:avLst/>
@@ -5378,7 +5378,7 @@
               </a:spcAft>
             </a:pPr>
             <a:r>
-              <a:rPr lang="en-GB" sz="2000" dirty="0">
+              <a:rPr lang="en-GB" dirty="0">
                 <a:solidFill>
                   <a:schemeClr val="bg2">
                     <a:lumMod val="25000"/>
@@ -5401,7 +5401,7 @@
               </a:spcAft>
             </a:pPr>
             <a:r>
-              <a:rPr lang="en-GB" sz="2000" dirty="0">
+              <a:rPr lang="en-GB" dirty="0">
                 <a:solidFill>
                   <a:schemeClr val="bg2">
                     <a:lumMod val="25000"/>
@@ -5411,7 +5411,7 @@
                 <a:ea typeface="Open Sans Light" panose="020B0306030504020204" pitchFamily="34" charset="0"/>
                 <a:cs typeface="Open Sans Light" panose="020B0306030504020204" pitchFamily="34" charset="0"/>
               </a:rPr>
-              <a:t>Time per subject: 90 minutes</a:t>
+              <a:t>Time per subject: 120 minutes</a:t>
             </a:r>
           </a:p>
           <a:p>
@@ -5424,7 +5424,7 @@
               </a:spcAft>
             </a:pPr>
             <a:r>
-              <a:rPr lang="en-GB" sz="2000" dirty="0">
+              <a:rPr lang="en-GB" dirty="0">
                 <a:solidFill>
                   <a:schemeClr val="bg2">
                     <a:lumMod val="25000"/>
@@ -5434,7 +5434,7 @@
                 <a:ea typeface="Open Sans Light" panose="020B0306030504020204" pitchFamily="34" charset="0"/>
                 <a:cs typeface="Open Sans Light" panose="020B0306030504020204" pitchFamily="34" charset="0"/>
               </a:rPr>
-              <a:t>Total scanning time: 20 subjects x 90 minutes = 30 hours</a:t>
+              <a:t>Total scanning time: 20 subjects x 120 minutes = 40 hours, with a potential additional 40 hours</a:t>
             </a:r>
           </a:p>
           <a:p>
@@ -5447,7 +5447,7 @@
               </a:spcAft>
             </a:pPr>
             <a:r>
-              <a:rPr lang="en-GB" sz="2000" dirty="0">
+              <a:rPr lang="en-GB" dirty="0">
                 <a:solidFill>
                   <a:schemeClr val="bg2">
                     <a:lumMod val="25000"/>
@@ -5460,7 +5460,7 @@
               <a:t>Scanner: MEG</a:t>
             </a:r>
             <a:r>
-              <a:rPr lang="en-GB" sz="1600" dirty="0">
+              <a:rPr lang="en-GB" sz="1400" dirty="0">
                 <a:latin typeface="Open Sans Light" panose="020B0306030504020204" pitchFamily="34" charset="0"/>
                 <a:ea typeface="Open Sans Light" panose="020B0306030504020204" pitchFamily="34" charset="0"/>
                 <a:cs typeface="Open Sans Light" panose="020B0306030504020204" pitchFamily="34" charset="0"/>
@@ -5478,7 +5478,7 @@
               </a:spcAft>
             </a:pPr>
             <a:r>
-              <a:rPr lang="en-GB" sz="2000" dirty="0">
+              <a:rPr lang="en-GB" dirty="0">
                 <a:solidFill>
                   <a:schemeClr val="bg2">
                     <a:lumMod val="25000"/>
@@ -5501,7 +5501,7 @@
               </a:spcAft>
             </a:pPr>
             <a:r>
-              <a:rPr lang="en-GB" sz="2000" dirty="0">
+              <a:rPr lang="en-GB" dirty="0">
                 <a:solidFill>
                   <a:schemeClr val="bg2">
                     <a:lumMod val="25000"/>
@@ -5514,7 +5514,7 @@
               <a:t>Funding: Sir Henry </a:t>
             </a:r>
             <a:r>
-              <a:rPr lang="en-GB" sz="2000" dirty="0" err="1">
+              <a:rPr lang="en-GB" dirty="0" err="1">
                 <a:solidFill>
                   <a:schemeClr val="bg2">
                     <a:lumMod val="25000"/>
@@ -5527,7 +5527,7 @@
               <a:t>Wellcome</a:t>
             </a:r>
             <a:r>
-              <a:rPr lang="en-GB" sz="2000" dirty="0">
+              <a:rPr lang="en-GB" dirty="0">
                 <a:solidFill>
                   <a:schemeClr val="bg2">
                     <a:lumMod val="25000"/>
@@ -5550,7 +5550,7 @@
               </a:spcAft>
             </a:pPr>
             <a:r>
-              <a:rPr lang="en-GB" sz="2000" dirty="0">
+              <a:rPr lang="en-GB" dirty="0">
                 <a:solidFill>
                   <a:schemeClr val="bg2">
                     <a:lumMod val="25000"/>
